--- a/template.pptx
+++ b/template.pptx
@@ -10,6 +10,8 @@
     <p:sldId id="257" r:id="rId5"/>
     <p:sldId id="259" r:id="rId6"/>
     <p:sldId id="260" r:id="rId7"/>
+    <p:sldId id="263" r:id="rId8"/>
+    <p:sldId id="262" r:id="rId9"/>
   </p:sldIdLst>
   <p:sldSz cx="12192000" cy="6858000"/>
   <p:notesSz cx="7103745" cy="10234295"/>
@@ -2646,10 +2648,10 @@
           <a:bodyPr/>
           <a:p>
             <a:r>
-              <a:rPr lang="" altLang="en-US"/>
+              <a:rPr lang="en-US" altLang="en-US"/>
               <a:t>CVE ID</a:t>
             </a:r>
-            <a:endParaRPr lang="" altLang="en-US"/>
+            <a:endParaRPr lang="en-US" altLang="en-US"/>
           </a:p>
         </p:txBody>
       </p:sp>
@@ -2704,10 +2706,10 @@
           <a:bodyPr/>
           <a:p>
             <a:r>
-              <a:rPr lang="" altLang="en-US"/>
+              <a:rPr lang="en-US" altLang="en-US"/>
               <a:t>Description</a:t>
             </a:r>
-            <a:endParaRPr lang="" altLang="en-US"/>
+            <a:endParaRPr lang="en-US" altLang="en-US"/>
           </a:p>
         </p:txBody>
       </p:sp>
@@ -2726,10 +2728,10 @@
           <a:bodyPr/>
           <a:p>
             <a:r>
-              <a:rPr lang="" altLang="en-US"/>
+              <a:rPr lang="en-US" altLang="en-US"/>
               <a:t>feel free to extend if you think one page is not enough.</a:t>
             </a:r>
-            <a:endParaRPr lang="" altLang="en-US"/>
+            <a:endParaRPr lang="en-US" altLang="en-US"/>
           </a:p>
         </p:txBody>
       </p:sp>
@@ -2766,10 +2768,10 @@
           <a:bodyPr/>
           <a:p>
             <a:r>
-              <a:rPr lang="" altLang="en-US"/>
+              <a:rPr lang="en-US" altLang="en-US"/>
               <a:t>Root Cause</a:t>
             </a:r>
-            <a:endParaRPr lang="" altLang="en-US"/>
+            <a:endParaRPr lang="en-US" altLang="en-US"/>
           </a:p>
         </p:txBody>
       </p:sp>
@@ -2830,10 +2832,10 @@
           <a:bodyPr/>
           <a:p>
             <a:r>
-              <a:rPr lang="" altLang="en-US"/>
+              <a:rPr lang="en-US" altLang="en-US"/>
               <a:t>Patch</a:t>
             </a:r>
-            <a:endParaRPr lang="" altLang="en-US"/>
+            <a:endParaRPr lang="en-US" altLang="en-US"/>
           </a:p>
         </p:txBody>
       </p:sp>
@@ -2894,10 +2896,10 @@
           <a:bodyPr/>
           <a:p>
             <a:r>
-              <a:rPr lang="" altLang="en-US"/>
+              <a:rPr lang="en-US" altLang="en-US"/>
               <a:t>Patch Analysis</a:t>
             </a:r>
-            <a:endParaRPr lang="" altLang="en-US"/>
+            <a:endParaRPr lang="en-US" altLang="en-US"/>
           </a:p>
         </p:txBody>
       </p:sp>
@@ -2921,6 +2923,122 @@
               </a:rPr>
               <a:t>feel free to extend if you think one page is not enough.</a:t>
             </a:r>
+            <a:endParaRPr lang="en-US"/>
+          </a:p>
+        </p:txBody>
+      </p:sp>
+    </p:spTree>
+  </p:cSld>
+  <p:clrMapOvr>
+    <a:masterClrMapping/>
+  </p:clrMapOvr>
+</p:sld>
+</file>
+
+<file path=ppt/slides/slide6.xml><?xml version="1.0" encoding="utf-8"?>
+<p:sld xmlns:a="http://schemas.openxmlformats.org/drawingml/2006/main" xmlns:r="http://schemas.openxmlformats.org/officeDocument/2006/relationships" xmlns:p="http://schemas.openxmlformats.org/presentationml/2006/main">
+  <p:cSld>
+    <p:spTree>
+      <p:nvGrpSpPr>
+        <p:cNvPr id="1" name=""/>
+        <p:cNvGrpSpPr/>
+        <p:nvPr/>
+      </p:nvGrpSpPr>
+      <p:grpSpPr/>
+      <p:sp>
+        <p:nvSpPr>
+          <p:cNvPr id="2" name="Title 1"/>
+          <p:cNvSpPr>
+            <a:spLocks noGrp="1"/>
+          </p:cNvSpPr>
+          <p:nvPr>
+            <p:ph type="title"/>
+          </p:nvPr>
+        </p:nvSpPr>
+        <p:spPr/>
+        <p:txBody>
+          <a:bodyPr/>
+          <a:p>
+            <a:r>
+              <a:rPr lang="" altLang="en-US"/>
+              <a:t>PoC/Exploit</a:t>
+            </a:r>
+            <a:endParaRPr lang="" altLang="en-US"/>
+          </a:p>
+        </p:txBody>
+      </p:sp>
+      <p:sp>
+        <p:nvSpPr>
+          <p:cNvPr id="3" name="Content Placeholder 2"/>
+          <p:cNvSpPr>
+            <a:spLocks noGrp="1"/>
+          </p:cNvSpPr>
+          <p:nvPr>
+            <p:ph idx="1"/>
+          </p:nvPr>
+        </p:nvSpPr>
+        <p:spPr/>
+        <p:txBody>
+          <a:bodyPr/>
+          <a:p>
+            <a:endParaRPr lang="en-US"/>
+          </a:p>
+        </p:txBody>
+      </p:sp>
+    </p:spTree>
+  </p:cSld>
+  <p:clrMapOvr>
+    <a:masterClrMapping/>
+  </p:clrMapOvr>
+</p:sld>
+</file>
+
+<file path=ppt/slides/slide7.xml><?xml version="1.0" encoding="utf-8"?>
+<p:sld xmlns:a="http://schemas.openxmlformats.org/drawingml/2006/main" xmlns:r="http://schemas.openxmlformats.org/officeDocument/2006/relationships" xmlns:p="http://schemas.openxmlformats.org/presentationml/2006/main">
+  <p:cSld>
+    <p:spTree>
+      <p:nvGrpSpPr>
+        <p:cNvPr id="1" name=""/>
+        <p:cNvGrpSpPr/>
+        <p:nvPr/>
+      </p:nvGrpSpPr>
+      <p:grpSpPr/>
+      <p:sp>
+        <p:nvSpPr>
+          <p:cNvPr id="2" name="Title 1"/>
+          <p:cNvSpPr>
+            <a:spLocks noGrp="1"/>
+          </p:cNvSpPr>
+          <p:nvPr>
+            <p:ph type="title"/>
+          </p:nvPr>
+        </p:nvSpPr>
+        <p:spPr/>
+        <p:txBody>
+          <a:bodyPr/>
+          <a:p>
+            <a:r>
+              <a:rPr lang="" altLang="en-US"/>
+              <a:t>References</a:t>
+            </a:r>
+            <a:endParaRPr lang="" altLang="en-US"/>
+          </a:p>
+        </p:txBody>
+      </p:sp>
+      <p:sp>
+        <p:nvSpPr>
+          <p:cNvPr id="3" name="Content Placeholder 2"/>
+          <p:cNvSpPr>
+            <a:spLocks noGrp="1"/>
+          </p:cNvSpPr>
+          <p:nvPr>
+            <p:ph idx="1"/>
+          </p:nvPr>
+        </p:nvSpPr>
+        <p:spPr/>
+        <p:txBody>
+          <a:bodyPr/>
+          <a:p>
             <a:endParaRPr lang="en-US"/>
           </a:p>
         </p:txBody>
